--- a/蚂蚁汇报.pptx
+++ b/蚂蚁汇报.pptx
@@ -5,13 +5,15 @@
     <p:sldMasterId id="2147483648" r:id="rId1"/>
   </p:sldMasterIdLst>
   <p:notesMasterIdLst>
-    <p:notesMasterId r:id="rId6"/>
+    <p:notesMasterId r:id="rId8"/>
   </p:notesMasterIdLst>
   <p:sldIdLst>
     <p:sldId id="16670851" r:id="rId2"/>
     <p:sldId id="16670797" r:id="rId3"/>
     <p:sldId id="16670850" r:id="rId4"/>
     <p:sldId id="16670849" r:id="rId5"/>
+    <p:sldId id="16670852" r:id="rId6"/>
+    <p:sldId id="16670853" r:id="rId7"/>
   </p:sldIdLst>
   <p:sldSz cx="12192000" cy="6858000"/>
   <p:notesSz cx="6858000" cy="9144000"/>
@@ -110,6 +112,11 @@
       </a:defRPr>
     </a:lvl9pPr>
   </p:defaultTextStyle>
+  <p:extLst>
+    <p:ext uri="{EFAFB233-063F-42B5-8137-9DF3F51BA10A}">
+      <p15:sldGuideLst xmlns:p15="http://schemas.microsoft.com/office/powerpoint/2012/main"/>
+    </p:ext>
+  </p:extLst>
 </p:presentation>
 </file>
 
@@ -5168,14 +5175,6 @@
             </a:r>
             <a:r>
               <a:rPr lang="zh-CN" altLang="en-US" dirty="0"/>
-              <a:t>和</a:t>
-            </a:r>
-            <a:r>
-              <a:rPr lang="en-US" altLang="zh-CN" dirty="0" err="1"/>
-              <a:t>Infobench</a:t>
-            </a:r>
-            <a:r>
-              <a:rPr lang="zh-CN" altLang="en-US" dirty="0"/>
               <a:t>各个具体类别上的效果均有所提升。</a:t>
             </a:r>
             <a:endParaRPr lang="en-US" altLang="zh-CN" dirty="0"/>
@@ -5200,7 +5199,7 @@
           <p:nvPr>
             <p:extLst>
               <p:ext uri="{D42A27DB-BD31-4B8C-83A1-F6EECF244321}">
-                <p14:modId xmlns:p14="http://schemas.microsoft.com/office/powerpoint/2010/main" val="2496076176"/>
+                <p14:modId xmlns:p14="http://schemas.microsoft.com/office/powerpoint/2010/main" val="960016187"/>
               </p:ext>
             </p:extLst>
           </p:nvPr>
@@ -6185,7 +6184,7 @@
                         <a:rPr lang="en-US" altLang="zh-CN" baseline="-25000" dirty="0">
                           <a:effectLst/>
                         </a:rPr>
-                        <a:t>abla_judger</a:t>
+                        <a:t>dpo</a:t>
                       </a:r>
                     </a:p>
                   </a:txBody>
@@ -7175,10 +7174,10 @@
       </p:graphicFrame>
       <p:sp>
         <p:nvSpPr>
-          <p:cNvPr id="14" name="文本框 13">
+          <p:cNvPr id="2" name="文本框 1">
             <a:extLst>
               <a:ext uri="{FF2B5EF4-FFF2-40B4-BE49-F238E27FC236}">
-                <a16:creationId xmlns:a16="http://schemas.microsoft.com/office/drawing/2014/main" id="{6C2658B7-29DB-43EE-9CCA-722639A4D611}"/>
+                <a16:creationId xmlns:a16="http://schemas.microsoft.com/office/drawing/2014/main" id="{4C55870C-B3D0-46EC-AE75-0EA8A9E00BA0}"/>
               </a:ext>
             </a:extLst>
           </p:cNvPr>
@@ -7187,8 +7186,8 @@
         </p:nvSpPr>
         <p:spPr>
           <a:xfrm>
-            <a:off x="138700" y="3785265"/>
-            <a:ext cx="9030984" cy="646331"/>
+            <a:off x="773084" y="4222865"/>
+            <a:ext cx="4572000" cy="2585323"/>
           </a:xfrm>
           <a:prstGeom prst="rect">
             <a:avLst/>
@@ -7202,38 +7201,145 @@
           <a:lstStyle/>
           <a:p>
             <a:r>
-              <a:rPr lang="en-US" altLang="zh-CN" dirty="0">
-                <a:solidFill>
-                  <a:srgbClr val="FF0000"/>
-                </a:solidFill>
-              </a:rPr>
-              <a:t>         </a:t>
-            </a:r>
-            <a:r>
-              <a:rPr lang="en-US" altLang="zh-CN" dirty="0" err="1">
-                <a:solidFill>
-                  <a:srgbClr val="FF0000"/>
-                </a:solidFill>
-              </a:rPr>
-              <a:t>FollowBench</a:t>
-            </a:r>
-            <a:endParaRPr lang="en-US" altLang="zh-CN" dirty="0">
-              <a:solidFill>
-                <a:srgbClr val="FF0000"/>
-              </a:solidFill>
-            </a:endParaRPr>
-          </a:p>
-          <a:p>
-            <a:endParaRPr lang="zh-CN" altLang="en-US" dirty="0"/>
+              <a:rPr lang="en-US" altLang="zh-CN" dirty="0" err="1"/>
+              <a:t>Todo</a:t>
+            </a:r>
+            <a:r>
+              <a:rPr lang="en-US" altLang="zh-CN" dirty="0"/>
+              <a:t>:</a:t>
+            </a:r>
+          </a:p>
+          <a:p>
+            <a:endParaRPr lang="en-US" altLang="zh-CN" dirty="0"/>
+          </a:p>
+          <a:p>
+            <a:r>
+              <a:rPr lang="en-US" altLang="zh-CN" dirty="0"/>
+              <a:t>1.</a:t>
+            </a:r>
+            <a:r>
+              <a:rPr lang="zh-CN" altLang="en-US" dirty="0"/>
+              <a:t>另一个</a:t>
+            </a:r>
+            <a:r>
+              <a:rPr lang="en-US" altLang="zh-CN" dirty="0" err="1"/>
+              <a:t>sft</a:t>
+            </a:r>
+            <a:endParaRPr lang="en-US" altLang="zh-CN" dirty="0"/>
+          </a:p>
+          <a:p>
+            <a:endParaRPr lang="en-US" altLang="zh-CN" dirty="0"/>
+          </a:p>
+          <a:p>
+            <a:r>
+              <a:rPr lang="en-US" altLang="zh-CN" dirty="0"/>
+              <a:t>2. Mistral</a:t>
+            </a:r>
+          </a:p>
+          <a:p>
+            <a:endParaRPr lang="en-US" altLang="zh-CN" dirty="0"/>
+          </a:p>
+          <a:p>
+            <a:r>
+              <a:rPr lang="en-US" altLang="zh-CN" dirty="0"/>
+              <a:t>3.</a:t>
+            </a:r>
+            <a:r>
+              <a:rPr lang="zh-CN" altLang="en-US" dirty="0"/>
+              <a:t>偏好实验</a:t>
+            </a:r>
+            <a:endParaRPr lang="en-US" altLang="zh-CN" dirty="0"/>
+          </a:p>
+          <a:p>
+            <a:endParaRPr lang="en-US" altLang="zh-CN" dirty="0"/>
+          </a:p>
+          <a:p>
+            <a:r>
+              <a:rPr lang="en-US" altLang="zh-CN" dirty="0"/>
+              <a:t>4.Dpo</a:t>
+            </a:r>
+            <a:r>
+              <a:rPr lang="zh-CN" altLang="en-US" dirty="0"/>
+              <a:t>各个阶段</a:t>
+            </a:r>
+          </a:p>
+        </p:txBody>
+      </p:sp>
+    </p:spTree>
+    <p:extLst>
+      <p:ext uri="{BB962C8B-B14F-4D97-AF65-F5344CB8AC3E}">
+        <p14:creationId xmlns:p14="http://schemas.microsoft.com/office/powerpoint/2010/main" val="3974498776"/>
+      </p:ext>
+    </p:extLst>
+  </p:cSld>
+  <p:clrMapOvr>
+    <a:masterClrMapping/>
+  </p:clrMapOvr>
+  <mc:AlternateContent xmlns:mc="http://schemas.openxmlformats.org/markup-compatibility/2006" xmlns:p14="http://schemas.microsoft.com/office/powerpoint/2010/main">
+    <mc:Choice Requires="p14">
+      <p:transition spd="med" p14:dur="700">
+        <p:fade/>
+      </p:transition>
+    </mc:Choice>
+    <mc:Fallback xmlns="">
+      <p:transition spd="med">
+        <p:fade/>
+      </p:transition>
+    </mc:Fallback>
+  </mc:AlternateContent>
+</p:sld>
+</file>
+
+<file path=ppt/slides/slide5.xml><?xml version="1.0" encoding="utf-8"?>
+<p:sld xmlns:a="http://schemas.openxmlformats.org/drawingml/2006/main" xmlns:r="http://schemas.openxmlformats.org/officeDocument/2006/relationships" xmlns:p="http://schemas.openxmlformats.org/presentationml/2006/main">
+  <p:cSld>
+    <p:spTree>
+      <p:nvGrpSpPr>
+        <p:cNvPr id="1" name=""/>
+        <p:cNvGrpSpPr/>
+        <p:nvPr/>
+      </p:nvGrpSpPr>
+      <p:grpSpPr>
+        <a:xfrm>
+          <a:off x="0" y="0"/>
+          <a:ext cx="0" cy="0"/>
+          <a:chOff x="0" y="0"/>
+          <a:chExt cx="0" cy="0"/>
+        </a:xfrm>
+      </p:grpSpPr>
+      <p:sp>
+        <p:nvSpPr>
+          <p:cNvPr id="2" name="标题 1">
+            <a:extLst>
+              <a:ext uri="{FF2B5EF4-FFF2-40B4-BE49-F238E27FC236}">
+                <a16:creationId xmlns:a16="http://schemas.microsoft.com/office/drawing/2014/main" id="{C4FAC3F6-94EA-4BBB-A43C-25E504D58EDA}"/>
+              </a:ext>
+            </a:extLst>
+          </p:cNvPr>
+          <p:cNvSpPr>
+            <a:spLocks noGrp="1"/>
+          </p:cNvSpPr>
+          <p:nvPr>
+            <p:ph type="title"/>
+          </p:nvPr>
+        </p:nvSpPr>
+        <p:spPr/>
+        <p:txBody>
+          <a:bodyPr>
+            <a:normAutofit fontScale="90000"/>
+          </a:bodyPr>
+          <a:lstStyle/>
+          <a:p>
+            <a:endParaRPr lang="zh-CN" altLang="en-US"/>
           </a:p>
         </p:txBody>
       </p:sp>
       <p:pic>
         <p:nvPicPr>
-          <p:cNvPr id="16" name="图片 15">
+          <p:cNvPr id="3" name="图片 2">
             <a:extLst>
               <a:ext uri="{FF2B5EF4-FFF2-40B4-BE49-F238E27FC236}">
-                <a16:creationId xmlns:a16="http://schemas.microsoft.com/office/drawing/2014/main" id="{F5E27022-8071-45E0-8301-496F98E489B5}"/>
+                <a16:creationId xmlns:a16="http://schemas.microsoft.com/office/drawing/2014/main" id="{E1527CC7-B5CB-44CA-A428-5E212227938C}"/>
               </a:ext>
             </a:extLst>
           </p:cNvPr>
@@ -7243,7 +7349,7 @@
           <p:nvPr/>
         </p:nvPicPr>
         <p:blipFill>
-          <a:blip r:embed="rId3" cstate="print">
+          <a:blip r:embed="rId2" cstate="print">
             <a:extLst>
               <a:ext uri="{28A0092B-C50C-407E-A947-70E740481C1C}">
                 <a14:useLocalDpi xmlns:a14="http://schemas.microsoft.com/office/drawing/2010/main" val="0"/>
@@ -7256,20 +7362,141 @@
         </p:blipFill>
         <p:spPr>
           <a:xfrm>
-            <a:off x="1237128" y="4105835"/>
-            <a:ext cx="4374778" cy="2752165"/>
+            <a:off x="519802" y="1420825"/>
+            <a:ext cx="7321436" cy="4605902"/>
           </a:xfrm>
           <a:prstGeom prst="rect">
             <a:avLst/>
           </a:prstGeom>
         </p:spPr>
       </p:pic>
+      <p:sp>
+        <p:nvSpPr>
+          <p:cNvPr id="5" name="文本框 4">
+            <a:extLst>
+              <a:ext uri="{FF2B5EF4-FFF2-40B4-BE49-F238E27FC236}">
+                <a16:creationId xmlns:a16="http://schemas.microsoft.com/office/drawing/2014/main" id="{242FBFB7-243E-4D19-A8A9-02FEDEE5482E}"/>
+              </a:ext>
+            </a:extLst>
+          </p:cNvPr>
+          <p:cNvSpPr txBox="1"/>
+          <p:nvPr/>
+        </p:nvSpPr>
+        <p:spPr>
+          <a:xfrm>
+            <a:off x="696595" y="1051493"/>
+            <a:ext cx="6097384" cy="369332"/>
+          </a:xfrm>
+          <a:prstGeom prst="rect">
+            <a:avLst/>
+          </a:prstGeom>
+          <a:noFill/>
+        </p:spPr>
+        <p:txBody>
+          <a:bodyPr wrap="square">
+            <a:spAutoFit/>
+          </a:bodyPr>
+          <a:lstStyle/>
+          <a:p>
+            <a:r>
+              <a:rPr lang="en-US" altLang="zh-CN" dirty="0">
+                <a:solidFill>
+                  <a:srgbClr val="FF0000"/>
+                </a:solidFill>
+              </a:rPr>
+              <a:t> </a:t>
+            </a:r>
+            <a:r>
+              <a:rPr lang="en-US" altLang="zh-CN" dirty="0" err="1">
+                <a:solidFill>
+                  <a:srgbClr val="FF0000"/>
+                </a:solidFill>
+              </a:rPr>
+              <a:t>FollowBench</a:t>
+            </a:r>
+            <a:endParaRPr lang="en-US" altLang="zh-CN" dirty="0">
+              <a:solidFill>
+                <a:srgbClr val="FF0000"/>
+              </a:solidFill>
+            </a:endParaRPr>
+          </a:p>
+        </p:txBody>
+      </p:sp>
+    </p:spTree>
+    <p:extLst>
+      <p:ext uri="{BB962C8B-B14F-4D97-AF65-F5344CB8AC3E}">
+        <p14:creationId xmlns:p14="http://schemas.microsoft.com/office/powerpoint/2010/main" val="742270412"/>
+      </p:ext>
+    </p:extLst>
+  </p:cSld>
+  <p:clrMapOvr>
+    <a:masterClrMapping/>
+  </p:clrMapOvr>
+  <mc:AlternateContent xmlns:mc="http://schemas.openxmlformats.org/markup-compatibility/2006" xmlns:p14="http://schemas.microsoft.com/office/powerpoint/2010/main">
+    <mc:Choice Requires="p14">
+      <p:transition spd="med" p14:dur="700">
+        <p:fade/>
+      </p:transition>
+    </mc:Choice>
+    <mc:Fallback xmlns="">
+      <p:transition spd="med">
+        <p:fade/>
+      </p:transition>
+    </mc:Fallback>
+  </mc:AlternateContent>
+</p:sld>
+</file>
+
+<file path=ppt/slides/slide6.xml><?xml version="1.0" encoding="utf-8"?>
+<p:sld xmlns:a="http://schemas.openxmlformats.org/drawingml/2006/main" xmlns:r="http://schemas.openxmlformats.org/officeDocument/2006/relationships" xmlns:p="http://schemas.openxmlformats.org/presentationml/2006/main">
+  <p:cSld>
+    <p:spTree>
+      <p:nvGrpSpPr>
+        <p:cNvPr id="1" name=""/>
+        <p:cNvGrpSpPr/>
+        <p:nvPr/>
+      </p:nvGrpSpPr>
+      <p:grpSpPr>
+        <a:xfrm>
+          <a:off x="0" y="0"/>
+          <a:ext cx="0" cy="0"/>
+          <a:chOff x="0" y="0"/>
+          <a:chExt cx="0" cy="0"/>
+        </a:xfrm>
+      </p:grpSpPr>
+      <p:sp>
+        <p:nvSpPr>
+          <p:cNvPr id="2" name="标题 1">
+            <a:extLst>
+              <a:ext uri="{FF2B5EF4-FFF2-40B4-BE49-F238E27FC236}">
+                <a16:creationId xmlns:a16="http://schemas.microsoft.com/office/drawing/2014/main" id="{F9E582F9-A4A8-41FB-9AF9-D83CE051FE80}"/>
+              </a:ext>
+            </a:extLst>
+          </p:cNvPr>
+          <p:cNvSpPr>
+            <a:spLocks noGrp="1"/>
+          </p:cNvSpPr>
+          <p:nvPr>
+            <p:ph type="title"/>
+          </p:nvPr>
+        </p:nvSpPr>
+        <p:spPr/>
+        <p:txBody>
+          <a:bodyPr>
+            <a:normAutofit fontScale="90000"/>
+          </a:bodyPr>
+          <a:lstStyle/>
+          <a:p>
+            <a:endParaRPr lang="zh-CN" altLang="en-US"/>
+          </a:p>
+        </p:txBody>
+      </p:sp>
       <p:pic>
         <p:nvPicPr>
-          <p:cNvPr id="17" name="图片 16">
+          <p:cNvPr id="3" name="图片 2">
             <a:extLst>
               <a:ext uri="{FF2B5EF4-FFF2-40B4-BE49-F238E27FC236}">
-                <a16:creationId xmlns:a16="http://schemas.microsoft.com/office/drawing/2014/main" id="{E06CA7E2-B143-463A-967E-CFF0A755E42F}"/>
+                <a16:creationId xmlns:a16="http://schemas.microsoft.com/office/drawing/2014/main" id="{6CEA4A14-2EF0-4EFB-927A-26269F9B551F}"/>
               </a:ext>
             </a:extLst>
           </p:cNvPr>
@@ -7279,7 +7506,7 @@
           <p:nvPr/>
         </p:nvPicPr>
         <p:blipFill>
-          <a:blip r:embed="rId4" cstate="print">
+          <a:blip r:embed="rId2" cstate="print">
             <a:extLst>
               <a:ext uri="{28A0092B-C50C-407E-A947-70E740481C1C}">
                 <a14:useLocalDpi xmlns:a14="http://schemas.microsoft.com/office/drawing/2010/main" val="0"/>
@@ -7292,18 +7519,70 @@
         </p:blipFill>
         <p:spPr>
           <a:xfrm>
-            <a:off x="6828009" y="4105835"/>
-            <a:ext cx="4213412" cy="2750672"/>
+            <a:off x="681168" y="1595391"/>
+            <a:ext cx="7664810" cy="5003873"/>
           </a:xfrm>
           <a:prstGeom prst="rect">
             <a:avLst/>
           </a:prstGeom>
         </p:spPr>
       </p:pic>
+      <p:sp>
+        <p:nvSpPr>
+          <p:cNvPr id="5" name="文本框 4">
+            <a:extLst>
+              <a:ext uri="{FF2B5EF4-FFF2-40B4-BE49-F238E27FC236}">
+                <a16:creationId xmlns:a16="http://schemas.microsoft.com/office/drawing/2014/main" id="{36967397-9109-4CD0-BEEF-F80D5887C862}"/>
+              </a:ext>
+            </a:extLst>
+          </p:cNvPr>
+          <p:cNvSpPr txBox="1"/>
+          <p:nvPr/>
+        </p:nvSpPr>
+        <p:spPr>
+          <a:xfrm>
+            <a:off x="681168" y="1087692"/>
+            <a:ext cx="6097384" cy="369332"/>
+          </a:xfrm>
+          <a:prstGeom prst="rect">
+            <a:avLst/>
+          </a:prstGeom>
+          <a:noFill/>
+        </p:spPr>
+        <p:txBody>
+          <a:bodyPr wrap="square">
+            <a:spAutoFit/>
+          </a:bodyPr>
+          <a:lstStyle/>
+          <a:p>
+            <a:r>
+              <a:rPr lang="en-US" altLang="zh-CN" dirty="0">
+                <a:solidFill>
+                  <a:srgbClr val="FF0000"/>
+                </a:solidFill>
+              </a:rPr>
+              <a:t> </a:t>
+            </a:r>
+            <a:r>
+              <a:rPr lang="en-US" altLang="zh-CN" dirty="0" err="1">
+                <a:solidFill>
+                  <a:srgbClr val="FF0000"/>
+                </a:solidFill>
+              </a:rPr>
+              <a:t>FollowBench</a:t>
+            </a:r>
+            <a:endParaRPr lang="en-US" altLang="zh-CN" dirty="0">
+              <a:solidFill>
+                <a:srgbClr val="FF0000"/>
+              </a:solidFill>
+            </a:endParaRPr>
+          </a:p>
+        </p:txBody>
+      </p:sp>
     </p:spTree>
     <p:extLst>
       <p:ext uri="{BB962C8B-B14F-4D97-AF65-F5344CB8AC3E}">
-        <p14:creationId xmlns:p14="http://schemas.microsoft.com/office/powerpoint/2010/main" val="3974498776"/>
+        <p14:creationId xmlns:p14="http://schemas.microsoft.com/office/powerpoint/2010/main" val="2727250014"/>
       </p:ext>
     </p:extLst>
   </p:cSld>
